--- a/0206DrawAndMoving_Design/DrawAndMoving_Design.pptx
+++ b/0206DrawAndMoving_Design/DrawAndMoving_Design.pptx
@@ -3924,15 +3924,7 @@
                   <a:schemeClr val="tx1"/>
                 </a:solidFill>
               </a:rPr>
-              <a:t>fLeft = </a:t>
-            </a:r>
-            <a:r>
-              <a:rPr lang="en-US" altLang="ko-KR" sz="1200" smtClean="0">
-                <a:solidFill>
-                  <a:schemeClr val="tx1"/>
-                </a:solidFill>
-              </a:rPr>
-              <a:t>Boolean</a:t>
+              <a:t>fLeft = Boolean</a:t>
             </a:r>
           </a:p>
           <a:p>
@@ -3945,11 +3937,6 @@
               </a:rPr>
               <a:t>fIndex = Int</a:t>
             </a:r>
-            <a:endParaRPr lang="en-US" altLang="ko-KR" sz="1200" smtClean="0">
-              <a:solidFill>
-                <a:schemeClr val="tx1"/>
-              </a:solidFill>
-            </a:endParaRPr>
           </a:p>
         </p:txBody>
       </p:sp>
@@ -4759,23 +4746,14 @@
           <a:p>
             <a:r>
               <a:rPr lang="en-US" altLang="ko-KR" sz="1050" smtClean="0"/>
-              <a:t>fObjList </a:t>
+              <a:t>fObjList = TList</a:t>
             </a:r>
+          </a:p>
+          <a:p>
             <a:r>
               <a:rPr lang="en-US" altLang="ko-KR" sz="1050" smtClean="0"/>
-              <a:t>= TList</a:t>
+              <a:t>fColor = Int</a:t>
             </a:r>
-          </a:p>
-          <a:p>
-            <a:r>
-              <a:rPr lang="en-US" altLang="ko-KR" sz="1050" smtClean="0"/>
-              <a:t>fColor = </a:t>
-            </a:r>
-            <a:r>
-              <a:rPr lang="en-US" altLang="ko-KR" sz="1050" smtClean="0"/>
-              <a:t>Int</a:t>
-            </a:r>
-            <a:endParaRPr lang="en-US" altLang="ko-KR" sz="1050" smtClean="0"/>
           </a:p>
           <a:p>
             <a:r>
@@ -5572,15 +5550,7 @@
                   <a:schemeClr val="tx1"/>
                 </a:solidFill>
               </a:rPr>
-              <a:t>fLeft = </a:t>
-            </a:r>
-            <a:r>
-              <a:rPr lang="en-US" altLang="ko-KR" sz="1200" smtClean="0">
-                <a:solidFill>
-                  <a:schemeClr val="tx1"/>
-                </a:solidFill>
-              </a:rPr>
-              <a:t>True</a:t>
+              <a:t>fLeft = True</a:t>
             </a:r>
           </a:p>
         </p:txBody>
@@ -8335,15 +8305,7 @@
                   <a:schemeClr val="tx1"/>
                 </a:solidFill>
               </a:rPr>
-              <a:t>fIndex = fObjList.add(PSelf</a:t>
-            </a:r>
-            <a:r>
-              <a:rPr lang="en-US" altLang="ko-KR" sz="1200" smtClean="0">
-                <a:solidFill>
-                  <a:schemeClr val="tx1"/>
-                </a:solidFill>
-              </a:rPr>
-              <a:t>)</a:t>
+              <a:t>fIndex = fObjList.add(PSelf)</a:t>
             </a:r>
             <a:endParaRPr lang="en-US" altLang="ko-KR" sz="1200" dirty="0" smtClean="0">
               <a:solidFill>
@@ -12082,15 +12044,7 @@
                   <a:schemeClr val="tx1"/>
                 </a:solidFill>
               </a:rPr>
-              <a:t>fObjList.Delete([self.fIndex</a:t>
-            </a:r>
-            <a:r>
-              <a:rPr lang="en-US" altLang="ko-KR" sz="1200" smtClean="0">
-                <a:solidFill>
-                  <a:schemeClr val="tx1"/>
-                </a:solidFill>
-              </a:rPr>
-              <a:t>])</a:t>
+              <a:t>fObjList.Delete([self.fIndex])</a:t>
             </a:r>
             <a:endParaRPr lang="ko-KR" altLang="en-US" sz="1200" dirty="0">
               <a:solidFill>
@@ -12857,11 +12811,6 @@
                 </a:rPr>
                 <a:t>MoveShape</a:t>
               </a:r>
-              <a:endParaRPr lang="en-US" altLang="ko-KR" sz="1200" smtClean="0">
-                <a:solidFill>
-                  <a:schemeClr val="tx1"/>
-                </a:solidFill>
-              </a:endParaRPr>
             </a:p>
           </p:txBody>
         </p:sp>
@@ -13685,21 +13634,8 @@
                   <a:schemeClr val="tx1"/>
                 </a:solidFill>
               </a:rPr>
-              <a:t>a</a:t>
+              <a:t>aObj.Draw</a:t>
             </a:r>
-            <a:r>
-              <a:rPr lang="en-US" altLang="ko-KR" sz="1200" smtClean="0">
-                <a:solidFill>
-                  <a:schemeClr val="tx1"/>
-                </a:solidFill>
-              </a:rPr>
-              <a:t>Obj.Draw</a:t>
-            </a:r>
-            <a:endParaRPr lang="en-US" altLang="ko-KR" sz="1200" smtClean="0">
-              <a:solidFill>
-                <a:schemeClr val="tx1"/>
-              </a:solidFill>
-            </a:endParaRPr>
           </a:p>
         </p:txBody>
       </p:sp>
@@ -14154,11 +14090,6 @@
               </a:rPr>
               <a:t>aObj.fUp </a:t>
             </a:r>
-            <a:endParaRPr lang="en-US" altLang="ko-KR" sz="1200" smtClean="0">
-              <a:solidFill>
-                <a:schemeClr val="tx1"/>
-              </a:solidFill>
-            </a:endParaRPr>
           </a:p>
           <a:p>
             <a:pPr algn="ctr"/>
@@ -14611,11 +14542,6 @@
               </a:rPr>
               <a:t>aObj.fLeft </a:t>
             </a:r>
-            <a:endParaRPr lang="en-US" altLang="ko-KR" sz="1200" smtClean="0">
-              <a:solidFill>
-                <a:schemeClr val="tx1"/>
-              </a:solidFill>
-            </a:endParaRPr>
           </a:p>
           <a:p>
             <a:pPr algn="ctr"/>
@@ -15366,29 +15292,8 @@
                     <a:schemeClr val="tx1"/>
                   </a:solidFill>
                 </a:rPr>
-                <a:t>aObj.fY </a:t>
+                <a:t>aObj.fY - aObj.fSize </a:t>
               </a:r>
-              <a:r>
-                <a:rPr lang="en-US" altLang="ko-KR" sz="1200" smtClean="0">
-                  <a:solidFill>
-                    <a:schemeClr val="tx1"/>
-                  </a:solidFill>
-                </a:rPr>
-                <a:t>- </a:t>
-              </a:r>
-              <a:r>
-                <a:rPr lang="en-US" altLang="ko-KR" sz="1200" smtClean="0">
-                  <a:solidFill>
-                    <a:schemeClr val="tx1"/>
-                  </a:solidFill>
-                </a:rPr>
-                <a:t>aObj.fSize </a:t>
-              </a:r>
-              <a:endParaRPr lang="en-US" altLang="ko-KR" sz="1200" smtClean="0">
-                <a:solidFill>
-                  <a:schemeClr val="tx1"/>
-                </a:solidFill>
-              </a:endParaRPr>
             </a:p>
             <a:p>
               <a:pPr algn="ctr"/>
@@ -15834,29 +15739,8 @@
                     <a:schemeClr val="tx1"/>
                   </a:solidFill>
                 </a:rPr>
-                <a:t>aObj.fY </a:t>
+                <a:t>aObj.fY + aObj.fSize </a:t>
               </a:r>
-              <a:r>
-                <a:rPr lang="en-US" altLang="ko-KR" sz="1200" smtClean="0">
-                  <a:solidFill>
-                    <a:schemeClr val="tx1"/>
-                  </a:solidFill>
-                </a:rPr>
-                <a:t>+ </a:t>
-              </a:r>
-              <a:r>
-                <a:rPr lang="en-US" altLang="ko-KR" sz="1200" smtClean="0">
-                  <a:solidFill>
-                    <a:schemeClr val="tx1"/>
-                  </a:solidFill>
-                </a:rPr>
-                <a:t>aObj.fSize </a:t>
-              </a:r>
-              <a:endParaRPr lang="en-US" altLang="ko-KR" sz="1200" smtClean="0">
-                <a:solidFill>
-                  <a:schemeClr val="tx1"/>
-                </a:solidFill>
-              </a:endParaRPr>
             </a:p>
             <a:p>
               <a:pPr algn="ctr"/>
@@ -16155,29 +16039,8 @@
                     <a:schemeClr val="tx1"/>
                   </a:solidFill>
                 </a:rPr>
-                <a:t>aObj.fX </a:t>
+                <a:t>aObj.fX - aObj.fSize </a:t>
               </a:r>
-              <a:r>
-                <a:rPr lang="en-US" altLang="ko-KR" sz="1200" smtClean="0">
-                  <a:solidFill>
-                    <a:schemeClr val="tx1"/>
-                  </a:solidFill>
-                </a:rPr>
-                <a:t>- </a:t>
-              </a:r>
-              <a:r>
-                <a:rPr lang="en-US" altLang="ko-KR" sz="1200" smtClean="0">
-                  <a:solidFill>
-                    <a:schemeClr val="tx1"/>
-                  </a:solidFill>
-                </a:rPr>
-                <a:t>aObj.fSize </a:t>
-              </a:r>
-              <a:endParaRPr lang="en-US" altLang="ko-KR" sz="1200" smtClean="0">
-                <a:solidFill>
-                  <a:schemeClr val="tx1"/>
-                </a:solidFill>
-              </a:endParaRPr>
             </a:p>
             <a:p>
               <a:pPr algn="ctr"/>
@@ -16476,29 +16339,8 @@
                     <a:schemeClr val="tx1"/>
                   </a:solidFill>
                 </a:rPr>
-                <a:t>aObj.fX </a:t>
+                <a:t>aObj.fX + aObj.fSize </a:t>
               </a:r>
-              <a:r>
-                <a:rPr lang="en-US" altLang="ko-KR" sz="1200" smtClean="0">
-                  <a:solidFill>
-                    <a:schemeClr val="tx1"/>
-                  </a:solidFill>
-                </a:rPr>
-                <a:t>+ </a:t>
-              </a:r>
-              <a:r>
-                <a:rPr lang="en-US" altLang="ko-KR" sz="1200" smtClean="0">
-                  <a:solidFill>
-                    <a:schemeClr val="tx1"/>
-                  </a:solidFill>
-                </a:rPr>
-                <a:t>aObj.fSize </a:t>
-              </a:r>
-              <a:endParaRPr lang="en-US" altLang="ko-KR" sz="1200" smtClean="0">
-                <a:solidFill>
-                  <a:schemeClr val="tx1"/>
-                </a:solidFill>
-              </a:endParaRPr>
             </a:p>
             <a:p>
               <a:pPr algn="ctr"/>
@@ -17313,23 +17155,14 @@
           <a:p>
             <a:r>
               <a:rPr lang="en-US" altLang="ko-KR" sz="1050" smtClean="0"/>
-              <a:t>fObjList </a:t>
+              <a:t>fObjList = TList</a:t>
             </a:r>
+          </a:p>
+          <a:p>
             <a:r>
               <a:rPr lang="en-US" altLang="ko-KR" sz="1050" smtClean="0"/>
-              <a:t>= TList</a:t>
+              <a:t>fColor = Int</a:t>
             </a:r>
-          </a:p>
-          <a:p>
-            <a:r>
-              <a:rPr lang="en-US" altLang="ko-KR" sz="1050" smtClean="0"/>
-              <a:t>fColor = </a:t>
-            </a:r>
-            <a:r>
-              <a:rPr lang="en-US" altLang="ko-KR" sz="1050" smtClean="0"/>
-              <a:t>Int</a:t>
-            </a:r>
-            <a:endParaRPr lang="en-US" altLang="ko-KR" sz="1050" smtClean="0"/>
           </a:p>
           <a:p>
             <a:r>

--- a/0206DrawAndMoving_Design/DrawAndMoving_Design.pptx
+++ b/0206DrawAndMoving_Design/DrawAndMoving_Design.pptx
@@ -5872,30 +5872,21 @@
                   <a:schemeClr val="tx1"/>
                 </a:solidFill>
               </a:rPr>
-              <a:t>fCanvas.Pen.Color = fColor</a:t>
+              <a:t>fCanvas.Pen.Color = </a:t>
             </a:r>
-          </a:p>
-          <a:p>
-            <a:pPr algn="ctr"/>
             <a:r>
               <a:rPr lang="en-US" altLang="ko-KR" sz="1200" smtClean="0">
                 <a:solidFill>
                   <a:schemeClr val="tx1"/>
                 </a:solidFill>
               </a:rPr>
-              <a:t>fCanvas.Pen.Mode = pmNotXor</a:t>
+              <a:t>fColor</a:t>
             </a:r>
-          </a:p>
-          <a:p>
-            <a:pPr algn="ctr"/>
-            <a:r>
-              <a:rPr lang="en-US" altLang="ko-KR" sz="1200" smtClean="0">
-                <a:solidFill>
-                  <a:schemeClr val="tx1"/>
-                </a:solidFill>
-              </a:rPr>
-              <a:t>    fCanvas.Brush.Style = bsClear</a:t>
-            </a:r>
+            <a:endParaRPr lang="en-US" altLang="ko-KR" sz="1200" smtClean="0">
+              <a:solidFill>
+                <a:schemeClr val="tx1"/>
+              </a:solidFill>
+            </a:endParaRPr>
           </a:p>
         </p:txBody>
       </p:sp>
